--- a/Tools/System_Overview.pptx
+++ b/Tools/System_Overview.pptx
@@ -243,7 +243,7 @@
           <a:p>
             <a:fld id="{60EA6F23-E82B-4B54-A4A2-3DCB1D7A664C}" type="datetimeFigureOut">
               <a:rPr lang="en-ZA" smtClean="0"/>
-              <a:t>2017/02/28</a:t>
+              <a:t>2017/03/17</a:t>
             </a:fld>
             <a:endParaRPr lang="en-ZA"/>
           </a:p>
@@ -413,7 +413,7 @@
           <a:p>
             <a:fld id="{60EA6F23-E82B-4B54-A4A2-3DCB1D7A664C}" type="datetimeFigureOut">
               <a:rPr lang="en-ZA" smtClean="0"/>
-              <a:t>2017/02/28</a:t>
+              <a:t>2017/03/17</a:t>
             </a:fld>
             <a:endParaRPr lang="en-ZA"/>
           </a:p>
@@ -593,7 +593,7 @@
           <a:p>
             <a:fld id="{60EA6F23-E82B-4B54-A4A2-3DCB1D7A664C}" type="datetimeFigureOut">
               <a:rPr lang="en-ZA" smtClean="0"/>
-              <a:t>2017/02/28</a:t>
+              <a:t>2017/03/17</a:t>
             </a:fld>
             <a:endParaRPr lang="en-ZA"/>
           </a:p>
@@ -763,7 +763,7 @@
           <a:p>
             <a:fld id="{60EA6F23-E82B-4B54-A4A2-3DCB1D7A664C}" type="datetimeFigureOut">
               <a:rPr lang="en-ZA" smtClean="0"/>
-              <a:t>2017/02/28</a:t>
+              <a:t>2017/03/17</a:t>
             </a:fld>
             <a:endParaRPr lang="en-ZA"/>
           </a:p>
@@ -1009,7 +1009,7 @@
           <a:p>
             <a:fld id="{60EA6F23-E82B-4B54-A4A2-3DCB1D7A664C}" type="datetimeFigureOut">
               <a:rPr lang="en-ZA" smtClean="0"/>
-              <a:t>2017/02/28</a:t>
+              <a:t>2017/03/17</a:t>
             </a:fld>
             <a:endParaRPr lang="en-ZA"/>
           </a:p>
@@ -1241,7 +1241,7 @@
           <a:p>
             <a:fld id="{60EA6F23-E82B-4B54-A4A2-3DCB1D7A664C}" type="datetimeFigureOut">
               <a:rPr lang="en-ZA" smtClean="0"/>
-              <a:t>2017/02/28</a:t>
+              <a:t>2017/03/17</a:t>
             </a:fld>
             <a:endParaRPr lang="en-ZA"/>
           </a:p>
@@ -1608,7 +1608,7 @@
           <a:p>
             <a:fld id="{60EA6F23-E82B-4B54-A4A2-3DCB1D7A664C}" type="datetimeFigureOut">
               <a:rPr lang="en-ZA" smtClean="0"/>
-              <a:t>2017/02/28</a:t>
+              <a:t>2017/03/17</a:t>
             </a:fld>
             <a:endParaRPr lang="en-ZA"/>
           </a:p>
@@ -1726,7 +1726,7 @@
           <a:p>
             <a:fld id="{60EA6F23-E82B-4B54-A4A2-3DCB1D7A664C}" type="datetimeFigureOut">
               <a:rPr lang="en-ZA" smtClean="0"/>
-              <a:t>2017/02/28</a:t>
+              <a:t>2017/03/17</a:t>
             </a:fld>
             <a:endParaRPr lang="en-ZA"/>
           </a:p>
@@ -1821,7 +1821,7 @@
           <a:p>
             <a:fld id="{60EA6F23-E82B-4B54-A4A2-3DCB1D7A664C}" type="datetimeFigureOut">
               <a:rPr lang="en-ZA" smtClean="0"/>
-              <a:t>2017/02/28</a:t>
+              <a:t>2017/03/17</a:t>
             </a:fld>
             <a:endParaRPr lang="en-ZA"/>
           </a:p>
@@ -2098,7 +2098,7 @@
           <a:p>
             <a:fld id="{60EA6F23-E82B-4B54-A4A2-3DCB1D7A664C}" type="datetimeFigureOut">
               <a:rPr lang="en-ZA" smtClean="0"/>
-              <a:t>2017/02/28</a:t>
+              <a:t>2017/03/17</a:t>
             </a:fld>
             <a:endParaRPr lang="en-ZA"/>
           </a:p>
@@ -2351,7 +2351,7 @@
           <a:p>
             <a:fld id="{60EA6F23-E82B-4B54-A4A2-3DCB1D7A664C}" type="datetimeFigureOut">
               <a:rPr lang="en-ZA" smtClean="0"/>
-              <a:t>2017/02/28</a:t>
+              <a:t>2017/03/17</a:t>
             </a:fld>
             <a:endParaRPr lang="en-ZA"/>
           </a:p>
@@ -2564,7 +2564,7 @@
           <a:p>
             <a:fld id="{60EA6F23-E82B-4B54-A4A2-3DCB1D7A664C}" type="datetimeFigureOut">
               <a:rPr lang="en-ZA" smtClean="0"/>
-              <a:t>2017/02/28</a:t>
+              <a:t>2017/03/17</a:t>
             </a:fld>
             <a:endParaRPr lang="en-ZA"/>
           </a:p>
@@ -2977,190 +2977,35 @@
         </p:nvGrpSpPr>
         <p:grpSpPr>
           <a:xfrm>
-            <a:off x="2565952" y="1373761"/>
-            <a:ext cx="7293667" cy="3340411"/>
-            <a:chOff x="2565952" y="1373761"/>
-            <a:chExt cx="7293667" cy="3340411"/>
+            <a:off x="1769168" y="2196259"/>
+            <a:ext cx="7467599" cy="1537252"/>
+            <a:chOff x="2392020" y="3176920"/>
+            <a:chExt cx="7467599" cy="1537252"/>
           </a:xfrm>
         </p:grpSpPr>
         <p:grpSp>
           <p:nvGrpSpPr>
-            <p:cNvPr id="12" name="Group 11"/>
+            <p:cNvPr id="18" name="Group 17"/>
             <p:cNvGrpSpPr/>
             <p:nvPr/>
           </p:nvGrpSpPr>
           <p:grpSpPr>
             <a:xfrm>
-              <a:off x="2565952" y="1373761"/>
-              <a:ext cx="7293667" cy="3340411"/>
-              <a:chOff x="2565952" y="1373761"/>
-              <a:chExt cx="7293667" cy="3340411"/>
+              <a:off x="2392020" y="3176920"/>
+              <a:ext cx="7467599" cy="1537252"/>
+              <a:chOff x="2630560" y="3343005"/>
+              <a:chExt cx="7467599" cy="1537252"/>
             </a:xfrm>
           </p:grpSpPr>
-          <p:grpSp>
-            <p:nvGrpSpPr>
-              <p:cNvPr id="18" name="Group 17"/>
-              <p:cNvGrpSpPr/>
-              <p:nvPr/>
-            </p:nvGrpSpPr>
-            <p:grpSpPr>
-              <a:xfrm>
-                <a:off x="2565952" y="1957721"/>
-                <a:ext cx="7293667" cy="2756451"/>
-                <a:chOff x="2804492" y="2123806"/>
-                <a:chExt cx="7293667" cy="2756451"/>
-              </a:xfrm>
-            </p:grpSpPr>
-            <p:sp>
-              <p:nvSpPr>
-                <p:cNvPr id="4" name="Rectangle 3"/>
-                <p:cNvSpPr/>
-                <p:nvPr/>
-              </p:nvSpPr>
-              <p:spPr>
-                <a:xfrm>
-                  <a:off x="3690734" y="3343005"/>
-                  <a:ext cx="2252869" cy="1537252"/>
-                </a:xfrm>
-                <a:prstGeom prst="rect">
-                  <a:avLst/>
-                </a:prstGeom>
-              </p:spPr>
-              <p:style>
-                <a:lnRef idx="2">
-                  <a:schemeClr val="dk1"/>
-                </a:lnRef>
-                <a:fillRef idx="1">
-                  <a:schemeClr val="lt1"/>
-                </a:fillRef>
-                <a:effectRef idx="0">
-                  <a:schemeClr val="dk1"/>
-                </a:effectRef>
-                <a:fontRef idx="minor">
-                  <a:schemeClr val="dk1"/>
-                </a:fontRef>
-              </p:style>
-              <p:txBody>
-                <a:bodyPr rtlCol="0" anchor="ctr"/>
-                <a:lstStyle/>
-                <a:p>
-                  <a:pPr algn="ctr"/>
-                  <a:r>
-                    <a:rPr lang="en-ZA" dirty="0"/>
-                    <a:t>Dimensionality Reduction</a:t>
-                  </a:r>
-                </a:p>
-              </p:txBody>
-            </p:sp>
-            <p:sp>
-              <p:nvSpPr>
-                <p:cNvPr id="5" name="Rectangle 4"/>
-                <p:cNvSpPr/>
-                <p:nvPr/>
-              </p:nvSpPr>
-              <p:spPr>
-                <a:xfrm>
-                  <a:off x="6629403" y="3343005"/>
-                  <a:ext cx="2252869" cy="1537252"/>
-                </a:xfrm>
-                <a:prstGeom prst="rect">
-                  <a:avLst/>
-                </a:prstGeom>
-              </p:spPr>
-              <p:style>
-                <a:lnRef idx="2">
-                  <a:schemeClr val="dk1"/>
-                </a:lnRef>
-                <a:fillRef idx="1">
-                  <a:schemeClr val="lt1"/>
-                </a:fillRef>
-                <a:effectRef idx="0">
-                  <a:schemeClr val="dk1"/>
-                </a:effectRef>
-                <a:fontRef idx="minor">
-                  <a:schemeClr val="dk1"/>
-                </a:fontRef>
-              </p:style>
-              <p:txBody>
-                <a:bodyPr rtlCol="0" anchor="ctr"/>
-                <a:lstStyle/>
-                <a:p>
-                  <a:pPr algn="ctr"/>
-                  <a:r>
-                    <a:rPr lang="en-ZA" dirty="0"/>
-                    <a:t>Automated Decision Maker</a:t>
-                  </a:r>
-                </a:p>
-              </p:txBody>
-            </p:sp>
-            <p:sp>
-              <p:nvSpPr>
-                <p:cNvPr id="16" name="TextBox 15"/>
-                <p:cNvSpPr txBox="1"/>
-                <p:nvPr/>
-              </p:nvSpPr>
-              <p:spPr>
-                <a:xfrm>
-                  <a:off x="2804492" y="2123806"/>
-                  <a:ext cx="1099931" cy="369332"/>
-                </a:xfrm>
-                <a:prstGeom prst="rect">
-                  <a:avLst/>
-                </a:prstGeom>
-                <a:noFill/>
-              </p:spPr>
-              <p:txBody>
-                <a:bodyPr wrap="square" rtlCol="0">
-                  <a:spAutoFit/>
-                </a:bodyPr>
-                <a:lstStyle/>
-                <a:p>
-                  <a:r>
-                    <a:rPr lang="en-ZA" dirty="0"/>
-                    <a:t>Input</a:t>
-                  </a:r>
-                </a:p>
-              </p:txBody>
-            </p:sp>
-            <p:sp>
-              <p:nvSpPr>
-                <p:cNvPr id="17" name="TextBox 16"/>
-                <p:cNvSpPr txBox="1"/>
-                <p:nvPr/>
-              </p:nvSpPr>
-              <p:spPr>
-                <a:xfrm>
-                  <a:off x="9037985" y="3926965"/>
-                  <a:ext cx="1060174" cy="369332"/>
-                </a:xfrm>
-                <a:prstGeom prst="rect">
-                  <a:avLst/>
-                </a:prstGeom>
-                <a:noFill/>
-              </p:spPr>
-              <p:txBody>
-                <a:bodyPr wrap="square" rtlCol="0">
-                  <a:spAutoFit/>
-                </a:bodyPr>
-                <a:lstStyle/>
-                <a:p>
-                  <a:r>
-                    <a:rPr lang="en-ZA" dirty="0"/>
-                    <a:t>Output</a:t>
-                  </a:r>
-                </a:p>
-              </p:txBody>
-            </p:sp>
-          </p:grpSp>
           <p:sp>
             <p:nvSpPr>
-              <p:cNvPr id="15" name="Rectangle 14"/>
+              <p:cNvPr id="4" name="Rectangle 3"/>
               <p:cNvSpPr/>
               <p:nvPr/>
             </p:nvSpPr>
             <p:spPr>
               <a:xfrm>
-                <a:off x="3452194" y="1373761"/>
+                <a:off x="3690734" y="3343005"/>
                 <a:ext cx="2252869" cy="1537252"/>
               </a:xfrm>
               <a:prstGeom prst="rect">
@@ -3188,7 +3033,106 @@
                 <a:pPr algn="ctr"/>
                 <a:r>
                   <a:rPr lang="en-ZA" dirty="0"/>
-                  <a:t>Image Processing</a:t>
+                  <a:t>Dimensionality Reduction</a:t>
+                </a:r>
+              </a:p>
+            </p:txBody>
+          </p:sp>
+          <p:sp>
+            <p:nvSpPr>
+              <p:cNvPr id="5" name="Rectangle 4"/>
+              <p:cNvSpPr/>
+              <p:nvPr/>
+            </p:nvSpPr>
+            <p:spPr>
+              <a:xfrm>
+                <a:off x="6629403" y="3343005"/>
+                <a:ext cx="2252869" cy="1537252"/>
+              </a:xfrm>
+              <a:prstGeom prst="rect">
+                <a:avLst/>
+              </a:prstGeom>
+            </p:spPr>
+            <p:style>
+              <a:lnRef idx="2">
+                <a:schemeClr val="dk1"/>
+              </a:lnRef>
+              <a:fillRef idx="1">
+                <a:schemeClr val="lt1"/>
+              </a:fillRef>
+              <a:effectRef idx="0">
+                <a:schemeClr val="dk1"/>
+              </a:effectRef>
+              <a:fontRef idx="minor">
+                <a:schemeClr val="dk1"/>
+              </a:fontRef>
+            </p:style>
+            <p:txBody>
+              <a:bodyPr rtlCol="0" anchor="ctr"/>
+              <a:lstStyle/>
+              <a:p>
+                <a:pPr algn="ctr"/>
+                <a:r>
+                  <a:rPr lang="en-ZA" dirty="0"/>
+                  <a:t>Automated Decision Maker</a:t>
+                </a:r>
+              </a:p>
+            </p:txBody>
+          </p:sp>
+          <p:sp>
+            <p:nvSpPr>
+              <p:cNvPr id="16" name="TextBox 15"/>
+              <p:cNvSpPr txBox="1"/>
+              <p:nvPr/>
+            </p:nvSpPr>
+            <p:spPr>
+              <a:xfrm>
+                <a:off x="2630560" y="3926965"/>
+                <a:ext cx="1099931" cy="369332"/>
+              </a:xfrm>
+              <a:prstGeom prst="rect">
+                <a:avLst/>
+              </a:prstGeom>
+              <a:noFill/>
+            </p:spPr>
+            <p:txBody>
+              <a:bodyPr wrap="square" rtlCol="0">
+                <a:spAutoFit/>
+              </a:bodyPr>
+              <a:lstStyle/>
+              <a:p>
+                <a:r>
+                  <a:rPr lang="en-ZA" dirty="0"/>
+                  <a:t>Input</a:t>
+                </a:r>
+              </a:p>
+            </p:txBody>
+          </p:sp>
+          <p:sp>
+            <p:nvSpPr>
+              <p:cNvPr id="17" name="TextBox 16"/>
+              <p:cNvSpPr txBox="1"/>
+              <p:nvPr/>
+            </p:nvSpPr>
+            <p:spPr>
+              <a:xfrm>
+                <a:off x="9037985" y="3926965"/>
+                <a:ext cx="1060174" cy="369332"/>
+              </a:xfrm>
+              <a:prstGeom prst="rect">
+                <a:avLst/>
+              </a:prstGeom>
+              <a:noFill/>
+            </p:spPr>
+            <p:txBody>
+              <a:bodyPr wrap="square" rtlCol="0">
+                <a:spAutoFit/>
+              </a:bodyPr>
+              <a:lstStyle/>
+              <a:p>
+                <a:r>
+                  <a:rPr lang="en-ZA" dirty="0"/>
+                  <a:t>Output</a:t>
                 </a:r>
               </a:p>
             </p:txBody>
@@ -3199,50 +3143,13 @@
             <p:cNvPr id="14" name="Straight Arrow Connector 13"/>
             <p:cNvCxnSpPr>
               <a:cxnSpLocks/>
-              <a:endCxn id="15" idx="1"/>
             </p:cNvCxnSpPr>
             <p:nvPr/>
           </p:nvCxnSpPr>
           <p:spPr>
             <a:xfrm>
-              <a:off x="3115918" y="2142387"/>
+              <a:off x="3115918" y="3945546"/>
               <a:ext cx="336276" cy="0"/>
-            </a:xfrm>
-            <a:prstGeom prst="straightConnector1">
-              <a:avLst/>
-            </a:prstGeom>
-            <a:ln>
-              <a:tailEnd type="triangle"/>
-            </a:ln>
-          </p:spPr>
-          <p:style>
-            <a:lnRef idx="1">
-              <a:schemeClr val="dk1"/>
-            </a:lnRef>
-            <a:fillRef idx="0">
-              <a:schemeClr val="dk1"/>
-            </a:fillRef>
-            <a:effectRef idx="0">
-              <a:schemeClr val="dk1"/>
-            </a:effectRef>
-            <a:fontRef idx="minor">
-              <a:schemeClr val="tx1"/>
-            </a:fontRef>
-          </p:style>
-        </p:cxnSp>
-        <p:cxnSp>
-          <p:nvCxnSpPr>
-            <p:cNvPr id="21" name="Straight Arrow Connector 20"/>
-            <p:cNvCxnSpPr>
-              <a:stCxn id="15" idx="2"/>
-              <a:endCxn id="4" idx="0"/>
-            </p:cNvCxnSpPr>
-            <p:nvPr/>
-          </p:nvCxnSpPr>
-          <p:spPr>
-            <a:xfrm>
-              <a:off x="4578629" y="2911013"/>
-              <a:ext cx="0" cy="265907"/>
             </a:xfrm>
             <a:prstGeom prst="straightConnector1">
               <a:avLst/>

--- a/Tools/System_Overview.pptx
+++ b/Tools/System_Overview.pptx
@@ -3075,6 +3075,25 @@
                 <a:r>
                   <a:rPr lang="en-ZA" dirty="0"/>
                   <a:t>Automated Decision Maker</a:t>
+                </a:r>
+              </a:p>
+              <a:p>
+                <a:pPr algn="ctr"/>
+                <a:r>
+                  <a:rPr lang="en-ZA" dirty="0"/>
+                  <a:t>(</a:t>
+                </a:r>
+                <a:r>
+                  <a:rPr lang="en-ZA" dirty="0" err="1"/>
+                  <a:t>Artificical</a:t>
+                </a:r>
+                <a:r>
+                  <a:rPr lang="en-ZA"/>
+                  <a:t> Neural </a:t>
+                </a:r>
+                <a:r>
+                  <a:rPr lang="en-ZA" dirty="0"/>
+                  <a:t>Network)</a:t>
                 </a:r>
               </a:p>
             </p:txBody>
